--- a/Enhance your business with Cortana Intelligence Suite/0-Enhance your business with Cortana Intelligence Suite Agenda_Explain.pptx
+++ b/Enhance your business with Cortana Intelligence Suite/0-Enhance your business with Cortana Intelligence Suite Agenda_Explain.pptx
@@ -367,7 +367,7 @@
           <a:p>
             <a:fld id="{4ACB4D8B-E2FB-4BB0-81B1-96348CC0AEEB}" type="datetimeFigureOut">
               <a:rPr lang="en-US" smtClean="0"/>
-              <a:t>06-Sep-16</a:t>
+              <a:t>11-Oct-16</a:t>
             </a:fld>
             <a:endParaRPr lang="en-US"/>
           </a:p>
@@ -532,7 +532,7 @@
           <a:p>
             <a:fld id="{F29B5E32-05A5-441D-A04D-E66A9FC2B11B}" type="datetimeFigureOut">
               <a:rPr lang="en-US" smtClean="0"/>
-              <a:t>06-Sep-16</a:t>
+              <a:t>11-Oct-16</a:t>
             </a:fld>
             <a:endParaRPr lang="en-US"/>
           </a:p>
@@ -860,18 +860,6 @@
               <a:tabLst/>
               <a:defRPr/>
             </a:pPr>
-            <a:r>
-              <a:rPr lang="en-US" sz="1200" kern="1200" dirty="0">
-                <a:solidFill>
-                  <a:schemeClr val="tx1"/>
-                </a:solidFill>
-                <a:effectLst/>
-                <a:latin typeface="+mn-lt"/>
-                <a:ea typeface="+mn-ea"/>
-                <a:cs typeface="+mn-cs"/>
-              </a:rPr>
-              <a:t>Hi, I’m ___, and I’m excited to discuss Microsoft’s Cortana Intelligence Suite, and the value it can deliver to your organization. </a:t>
-            </a:r>
             <a:endParaRPr lang="en-US" sz="1200" dirty="0">
               <a:solidFill>
                 <a:schemeClr val="bg1"/>
@@ -1149,7 +1137,7 @@
           <a:p>
             <a:fld id="{E94FB22D-AF06-49F0-ABFB-4A3B32E04FBE}" type="datetime1">
               <a:rPr lang="en-US" smtClean="0"/>
-              <a:t>06-Sep-16</a:t>
+              <a:t>11-Oct-16</a:t>
             </a:fld>
             <a:endParaRPr lang="en-US"/>
           </a:p>
@@ -4691,7 +4679,7 @@
           <a:noFill/>
           <a:extLst>
             <a:ext uri="{909E8E84-426E-40dd-AFC4-6F175D3DCCD1}">
-              <a14:hiddenFill xmlns:a14="http://schemas.microsoft.com/office/drawing/2010/main" xmlns="">
+              <a14:hiddenFill xmlns="" xmlns:a14="http://schemas.microsoft.com/office/drawing/2010/main">
                 <a:solidFill>
                   <a:srgbClr val="FFFFFF"/>
                 </a:solidFill>
@@ -9653,7 +9641,7 @@
                   </a:ext>
                 </a:extLst>
               </a:tr>
-              <a:tr h="483867">
+              <a:tr h="824780">
                 <a:tc>
                   <a:txBody>
                     <a:bodyPr/>
@@ -10079,7 +10067,7 @@
                   </a:ext>
                 </a:extLst>
               </a:tr>
-              <a:tr h="483867">
+              <a:tr h="824780">
                 <a:tc>
                   <a:txBody>
                     <a:bodyPr/>
@@ -11292,6 +11280,12 @@
 </file>
 
 <file path=customXml/item1.xml><?xml version="1.0" encoding="utf-8"?>
+<p:properties xmlns:p="http://schemas.microsoft.com/office/2006/metadata/properties" xmlns:xsi="http://www.w3.org/2001/XMLSchema-instance" xmlns:pc="http://schemas.microsoft.com/office/infopath/2007/PartnerControls">
+  <documentManagement/>
+</p:properties>
+</file>
+
+<file path=customXml/item2.xml><?xml version="1.0" encoding="utf-8"?>
 <ct:contentTypeSchema xmlns:ct="http://schemas.microsoft.com/office/2006/metadata/contentType" xmlns:ma="http://schemas.microsoft.com/office/2006/metadata/properties/metaAttributes" ct:_="" ma:_="" ma:contentTypeName="Document" ma:contentTypeID="0x0101006A7EA5B5A0AB074792A7E0FA8EA2FADD" ma:contentTypeVersion="4" ma:contentTypeDescription="Create a new document." ma:contentTypeScope="" ma:versionID="acc3ec72540b2fb7f9e8e98f74f3d76f">
   <xsd:schema xmlns:xsd="http://www.w3.org/2001/XMLSchema" xmlns:xs="http://www.w3.org/2001/XMLSchema" xmlns:p="http://schemas.microsoft.com/office/2006/metadata/properties" xmlns:ns2="887142eb-be63-4c1c-9d4e-7c9f6f0ccef6" targetNamespace="http://schemas.microsoft.com/office/2006/metadata/properties" ma:root="true" ma:fieldsID="ba66a6dbb01588fce95fae63694e3937" ns2:_="">
     <xsd:import namespace="887142eb-be63-4c1c-9d4e-7c9f6f0ccef6"/>
@@ -11453,12 +11447,6 @@
 </ct:contentTypeSchema>
 </file>
 
-<file path=customXml/item2.xml><?xml version="1.0" encoding="utf-8"?>
-<p:properties xmlns:p="http://schemas.microsoft.com/office/2006/metadata/properties" xmlns:xsi="http://www.w3.org/2001/XMLSchema-instance" xmlns:pc="http://schemas.microsoft.com/office/infopath/2007/PartnerControls">
-  <documentManagement/>
-</p:properties>
-</file>
-
 <file path=customXml/item3.xml><?xml version="1.0" encoding="utf-8"?>
 <?mso-contentType ?>
 <FormTemplates xmlns="http://schemas.microsoft.com/sharepoint/v3/contenttype/forms">
@@ -11469,6 +11457,22 @@
 </file>
 
 <file path=customXml/itemProps1.xml><?xml version="1.0" encoding="utf-8"?>
+<ds:datastoreItem xmlns:ds="http://schemas.openxmlformats.org/officeDocument/2006/customXml" ds:itemID="{FC31AD5F-920A-4675-BE59-70433AD89CBF}">
+  <ds:schemaRefs>
+    <ds:schemaRef ds:uri="http://purl.org/dc/elements/1.1/"/>
+    <ds:schemaRef ds:uri="http://schemas.microsoft.com/office/2006/metadata/properties"/>
+    <ds:schemaRef ds:uri="http://purl.org/dc/terms/"/>
+    <ds:schemaRef ds:uri="http://schemas.openxmlformats.org/package/2006/metadata/core-properties"/>
+    <ds:schemaRef ds:uri="http://schemas.microsoft.com/office/2006/documentManagement/types"/>
+    <ds:schemaRef ds:uri="http://schemas.microsoft.com/office/infopath/2007/PartnerControls"/>
+    <ds:schemaRef ds:uri="887142eb-be63-4c1c-9d4e-7c9f6f0ccef6"/>
+    <ds:schemaRef ds:uri="http://www.w3.org/XML/1998/namespace"/>
+    <ds:schemaRef ds:uri="http://purl.org/dc/dcmitype/"/>
+  </ds:schemaRefs>
+</ds:datastoreItem>
+</file>
+
+<file path=customXml/itemProps2.xml><?xml version="1.0" encoding="utf-8"?>
 <ds:datastoreItem xmlns:ds="http://schemas.openxmlformats.org/officeDocument/2006/customXml" ds:itemID="{47B8AA88-19F1-45B8-BEAE-E5BE8436F499}">
   <ds:schemaRefs>
     <ds:schemaRef ds:uri="http://schemas.microsoft.com/office/2006/metadata/contentType"/>
@@ -11486,22 +11490,6 @@
 </ds:datastoreItem>
 </file>
 
-<file path=customXml/itemProps2.xml><?xml version="1.0" encoding="utf-8"?>
-<ds:datastoreItem xmlns:ds="http://schemas.openxmlformats.org/officeDocument/2006/customXml" ds:itemID="{FC31AD5F-920A-4675-BE59-70433AD89CBF}">
-  <ds:schemaRefs>
-    <ds:schemaRef ds:uri="http://purl.org/dc/elements/1.1/"/>
-    <ds:schemaRef ds:uri="http://schemas.microsoft.com/office/2006/metadata/properties"/>
-    <ds:schemaRef ds:uri="http://purl.org/dc/terms/"/>
-    <ds:schemaRef ds:uri="http://schemas.openxmlformats.org/package/2006/metadata/core-properties"/>
-    <ds:schemaRef ds:uri="http://schemas.microsoft.com/office/2006/documentManagement/types"/>
-    <ds:schemaRef ds:uri="http://schemas.microsoft.com/office/infopath/2007/PartnerControls"/>
-    <ds:schemaRef ds:uri="887142eb-be63-4c1c-9d4e-7c9f6f0ccef6"/>
-    <ds:schemaRef ds:uri="http://www.w3.org/XML/1998/namespace"/>
-    <ds:schemaRef ds:uri="http://purl.org/dc/dcmitype/"/>
-  </ds:schemaRefs>
-</ds:datastoreItem>
-</file>
-
 <file path=customXml/itemProps3.xml><?xml version="1.0" encoding="utf-8"?>
 <ds:datastoreItem xmlns:ds="http://schemas.openxmlformats.org/officeDocument/2006/customXml" ds:itemID="{665EB99A-2A59-43F4-93AC-78ACF70FA9B1}">
   <ds:schemaRefs>
